--- a/Varios/ProyectoCarcel.pptx
+++ b/Varios/ProyectoCarcel.pptx
@@ -5,7 +5,7 @@
     <p:sldMasterId id="2147483672" r:id="rId1"/>
   </p:sldMasterIdLst>
   <p:notesMasterIdLst>
-    <p:notesMasterId r:id="rId8"/>
+    <p:notesMasterId r:id="rId9"/>
   </p:notesMasterIdLst>
   <p:sldIdLst>
     <p:sldId id="256" r:id="rId2"/>
@@ -13,15 +13,16 @@
     <p:sldId id="258" r:id="rId4"/>
     <p:sldId id="276" r:id="rId5"/>
     <p:sldId id="282" r:id="rId6"/>
-    <p:sldId id="284" r:id="rId7"/>
+    <p:sldId id="285" r:id="rId7"/>
+    <p:sldId id="284" r:id="rId8"/>
   </p:sldIdLst>
   <p:sldSz cx="9144000" cy="5143500" type="screen16x9"/>
   <p:notesSz cx="6858000" cy="9144000"/>
   <p:embeddedFontLst>
     <p:embeddedFont>
       <p:font typeface="Fira Code" panose="020B0809050000020004" pitchFamily="49" charset="0"/>
-      <p:regular r:id="rId9"/>
-      <p:bold r:id="rId10"/>
+      <p:regular r:id="rId10"/>
+      <p:bold r:id="rId11"/>
     </p:embeddedFont>
   </p:embeddedFontLst>
   <p:defaultTextStyle>
@@ -1323,6 +1324,115 @@
     <p:extLst>
       <p:ext uri="{BB962C8B-B14F-4D97-AF65-F5344CB8AC3E}">
         <p14:creationId xmlns:p14="http://schemas.microsoft.com/office/powerpoint/2010/main" val="3712914350"/>
+      </p:ext>
+    </p:extLst>
+  </p:cSld>
+  <p:clrMapOvr>
+    <a:masterClrMapping/>
+  </p:clrMapOvr>
+</p:notes>
+</file>
+
+<file path=ppt/notesSlides/notesSlide6.xml><?xml version="1.0" encoding="utf-8"?>
+<p:notes xmlns:a="http://schemas.openxmlformats.org/drawingml/2006/main" xmlns:r="http://schemas.openxmlformats.org/officeDocument/2006/relationships" xmlns:p="http://schemas.openxmlformats.org/presentationml/2006/main" showMasterSp="0" showMasterPhAnim="0">
+  <p:cSld>
+    <p:spTree>
+      <p:nvGrpSpPr>
+        <p:cNvPr id="1" name="Shape 476"/>
+        <p:cNvGrpSpPr/>
+        <p:nvPr/>
+      </p:nvGrpSpPr>
+      <p:grpSpPr>
+        <a:xfrm>
+          <a:off x="0" y="0"/>
+          <a:ext cx="0" cy="0"/>
+          <a:chOff x="0" y="0"/>
+          <a:chExt cx="0" cy="0"/>
+        </a:xfrm>
+      </p:grpSpPr>
+      <p:sp>
+        <p:nvSpPr>
+          <p:cNvPr id="477" name="Google Shape;477;ge7b3cc9d39_0_0:notes"/>
+          <p:cNvSpPr>
+            <a:spLocks noGrp="1" noRot="1" noChangeAspect="1"/>
+          </p:cNvSpPr>
+          <p:nvPr>
+            <p:ph type="sldImg" idx="2"/>
+          </p:nvPr>
+        </p:nvSpPr>
+        <p:spPr>
+          <a:xfrm>
+            <a:off x="381000" y="685800"/>
+            <a:ext cx="6096000" cy="3429000"/>
+          </a:xfrm>
+          <a:custGeom>
+            <a:avLst/>
+            <a:gdLst/>
+            <a:ahLst/>
+            <a:cxnLst/>
+            <a:rect l="l" t="t" r="r" b="b"/>
+            <a:pathLst>
+              <a:path w="120000" h="120000" extrusionOk="0">
+                <a:moveTo>
+                  <a:pt x="0" y="0"/>
+                </a:moveTo>
+                <a:lnTo>
+                  <a:pt x="120000" y="0"/>
+                </a:lnTo>
+                <a:lnTo>
+                  <a:pt x="120000" y="120000"/>
+                </a:lnTo>
+                <a:lnTo>
+                  <a:pt x="0" y="120000"/>
+                </a:lnTo>
+                <a:close/>
+              </a:path>
+            </a:pathLst>
+          </a:custGeom>
+        </p:spPr>
+      </p:sp>
+      <p:sp>
+        <p:nvSpPr>
+          <p:cNvPr id="478" name="Google Shape;478;ge7b3cc9d39_0_0:notes"/>
+          <p:cNvSpPr txBox="1">
+            <a:spLocks noGrp="1"/>
+          </p:cNvSpPr>
+          <p:nvPr>
+            <p:ph type="body" idx="1"/>
+          </p:nvPr>
+        </p:nvSpPr>
+        <p:spPr>
+          <a:xfrm>
+            <a:off x="685800" y="4343400"/>
+            <a:ext cx="5486400" cy="4114800"/>
+          </a:xfrm>
+          <a:prstGeom prst="rect">
+            <a:avLst/>
+          </a:prstGeom>
+        </p:spPr>
+        <p:txBody>
+          <a:bodyPr spcFirstLastPara="1" wrap="square" lIns="91425" tIns="91425" rIns="91425" bIns="91425" anchor="t" anchorCtr="0">
+            <a:noAutofit/>
+          </a:bodyPr>
+          <a:lstStyle/>
+          <a:p>
+            <a:pPr marL="0" lvl="0" indent="0" algn="l" rtl="0">
+              <a:spcBef>
+                <a:spcPts val="0"/>
+              </a:spcBef>
+              <a:spcAft>
+                <a:spcPts val="0"/>
+              </a:spcAft>
+              <a:buNone/>
+            </a:pPr>
+            <a:endParaRPr/>
+          </a:p>
+        </p:txBody>
+      </p:sp>
+    </p:spTree>
+    <p:extLst>
+      <p:ext uri="{BB962C8B-B14F-4D97-AF65-F5344CB8AC3E}">
+        <p14:creationId xmlns:p14="http://schemas.microsoft.com/office/powerpoint/2010/main" val="3944285088"/>
       </p:ext>
     </p:extLst>
   </p:cSld>
@@ -20661,6 +20771,1113 @@
   <p:cSld>
     <p:spTree>
       <p:nvGrpSpPr>
+        <p:cNvPr id="1" name="Shape 479"/>
+        <p:cNvGrpSpPr/>
+        <p:nvPr/>
+      </p:nvGrpSpPr>
+      <p:grpSpPr>
+        <a:xfrm>
+          <a:off x="0" y="0"/>
+          <a:ext cx="0" cy="0"/>
+          <a:chOff x="0" y="0"/>
+          <a:chExt cx="0" cy="0"/>
+        </a:xfrm>
+      </p:grpSpPr>
+      <p:sp>
+        <p:nvSpPr>
+          <p:cNvPr id="489" name="Google Shape;489;p29"/>
+          <p:cNvSpPr txBox="1">
+            <a:spLocks noGrp="1"/>
+          </p:cNvSpPr>
+          <p:nvPr>
+            <p:ph type="title" idx="9"/>
+          </p:nvPr>
+        </p:nvSpPr>
+        <p:spPr>
+          <a:xfrm>
+            <a:off x="1143250" y="582700"/>
+            <a:ext cx="7290600" cy="541200"/>
+          </a:xfrm>
+          <a:prstGeom prst="rect">
+            <a:avLst/>
+          </a:prstGeom>
+        </p:spPr>
+        <p:txBody>
+          <a:bodyPr spcFirstLastPara="1" wrap="square" lIns="91425" tIns="91425" rIns="91425" bIns="91425" anchor="t" anchorCtr="0">
+            <a:noAutofit/>
+          </a:bodyPr>
+          <a:lstStyle/>
+          <a:p>
+            <a:pPr marL="0" lvl="0" indent="0" algn="l" rtl="0">
+              <a:spcBef>
+                <a:spcPts val="0"/>
+              </a:spcBef>
+              <a:spcAft>
+                <a:spcPts val="0"/>
+              </a:spcAft>
+              <a:buNone/>
+            </a:pPr>
+            <a:r>
+              <a:rPr lang="en" dirty="0"/>
+              <a:t>Sout </a:t>
+            </a:r>
+            <a:r>
+              <a:rPr lang="en" dirty="0">
+                <a:solidFill>
+                  <a:schemeClr val="accent2"/>
+                </a:solidFill>
+              </a:rPr>
+              <a:t>‘Menu’</a:t>
+            </a:r>
+            <a:r>
+              <a:rPr lang="en" dirty="0">
+                <a:solidFill>
+                  <a:schemeClr val="accent6"/>
+                </a:solidFill>
+              </a:rPr>
+              <a:t>{</a:t>
+            </a:r>
+            <a:endParaRPr dirty="0">
+              <a:solidFill>
+                <a:schemeClr val="accent6"/>
+              </a:solidFill>
+            </a:endParaRPr>
+          </a:p>
+        </p:txBody>
+      </p:sp>
+      <p:grpSp>
+        <p:nvGrpSpPr>
+          <p:cNvPr id="490" name="Google Shape;490;p29"/>
+          <p:cNvGrpSpPr/>
+          <p:nvPr/>
+        </p:nvGrpSpPr>
+        <p:grpSpPr>
+          <a:xfrm>
+            <a:off x="1084825" y="1168950"/>
+            <a:ext cx="506100" cy="3401075"/>
+            <a:chOff x="1084825" y="1168950"/>
+            <a:chExt cx="506100" cy="3401075"/>
+          </a:xfrm>
+        </p:grpSpPr>
+        <p:sp>
+          <p:nvSpPr>
+            <p:cNvPr id="491" name="Google Shape;491;p29"/>
+            <p:cNvSpPr txBox="1"/>
+            <p:nvPr/>
+          </p:nvSpPr>
+          <p:spPr>
+            <a:xfrm>
+              <a:off x="1084825" y="3954425"/>
+              <a:ext cx="506100" cy="615600"/>
+            </a:xfrm>
+            <a:prstGeom prst="rect">
+              <a:avLst/>
+            </a:prstGeom>
+            <a:noFill/>
+            <a:ln>
+              <a:noFill/>
+            </a:ln>
+          </p:spPr>
+          <p:txBody>
+            <a:bodyPr spcFirstLastPara="1" wrap="square" lIns="91425" tIns="91425" rIns="91425" bIns="91425" anchor="t" anchorCtr="0">
+              <a:spAutoFit/>
+            </a:bodyPr>
+            <a:lstStyle/>
+            <a:p>
+              <a:pPr marL="0" lvl="0" indent="0" algn="ctr" rtl="0">
+                <a:spcBef>
+                  <a:spcPts val="0"/>
+                </a:spcBef>
+                <a:spcAft>
+                  <a:spcPts val="0"/>
+                </a:spcAft>
+                <a:buNone/>
+              </a:pPr>
+              <a:r>
+                <a:rPr lang="en" sz="2800">
+                  <a:solidFill>
+                    <a:schemeClr val="accent6"/>
+                  </a:solidFill>
+                  <a:latin typeface="Fira Code"/>
+                  <a:ea typeface="Fira Code"/>
+                  <a:cs typeface="Fira Code"/>
+                  <a:sym typeface="Fira Code"/>
+                </a:rPr>
+                <a:t>}</a:t>
+              </a:r>
+              <a:endParaRPr sz="2800">
+                <a:solidFill>
+                  <a:schemeClr val="accent6"/>
+                </a:solidFill>
+                <a:latin typeface="Fira Code"/>
+                <a:ea typeface="Fira Code"/>
+                <a:cs typeface="Fira Code"/>
+                <a:sym typeface="Fira Code"/>
+              </a:endParaRPr>
+            </a:p>
+          </p:txBody>
+        </p:sp>
+        <p:cxnSp>
+          <p:nvCxnSpPr>
+            <p:cNvPr id="492" name="Google Shape;492;p29"/>
+            <p:cNvCxnSpPr/>
+            <p:nvPr/>
+          </p:nvCxnSpPr>
+          <p:spPr>
+            <a:xfrm>
+              <a:off x="1337875" y="1168950"/>
+              <a:ext cx="0" cy="2764500"/>
+            </a:xfrm>
+            <a:prstGeom prst="straightConnector1">
+              <a:avLst/>
+            </a:prstGeom>
+            <a:noFill/>
+            <a:ln w="9525" cap="flat" cmpd="sng">
+              <a:solidFill>
+                <a:schemeClr val="accent4"/>
+              </a:solidFill>
+              <a:prstDash val="solid"/>
+              <a:round/>
+              <a:headEnd type="none" w="med" len="med"/>
+              <a:tailEnd type="none" w="med" len="med"/>
+            </a:ln>
+          </p:spPr>
+        </p:cxnSp>
+      </p:grpSp>
+      <p:sp>
+        <p:nvSpPr>
+          <p:cNvPr id="6" name="Google Shape;466;p27">
+            <a:extLst>
+              <a:ext uri="{FF2B5EF4-FFF2-40B4-BE49-F238E27FC236}">
+                <a16:creationId xmlns:a16="http://schemas.microsoft.com/office/drawing/2014/main" id="{09D78239-E9E4-AD41-A940-E941AD6EF192}"/>
+              </a:ext>
+            </a:extLst>
+          </p:cNvPr>
+          <p:cNvSpPr txBox="1">
+            <a:spLocks/>
+          </p:cNvSpPr>
+          <p:nvPr/>
+        </p:nvSpPr>
+        <p:spPr>
+          <a:xfrm>
+            <a:off x="4572000" y="91525"/>
+            <a:ext cx="4572000" cy="357300"/>
+          </a:xfrm>
+          <a:prstGeom prst="rect">
+            <a:avLst/>
+          </a:prstGeom>
+          <a:noFill/>
+          <a:ln>
+            <a:noFill/>
+          </a:ln>
+        </p:spPr>
+        <p:txBody>
+          <a:bodyPr spcFirstLastPara="1" wrap="square" lIns="91425" tIns="91425" rIns="91425" bIns="91425" anchor="ctr" anchorCtr="0">
+            <a:noAutofit/>
+          </a:bodyPr>
+          <a:lstStyle>
+            <a:defPPr marR="0" lvl="0" algn="l" rtl="0">
+              <a:lnSpc>
+                <a:spcPct val="100000"/>
+              </a:lnSpc>
+              <a:spcBef>
+                <a:spcPts val="0"/>
+              </a:spcBef>
+              <a:spcAft>
+                <a:spcPts val="0"/>
+              </a:spcAft>
+            </a:defPPr>
+            <a:lvl1pPr marL="457200" marR="0" lvl="0" indent="-317500" algn="l" rtl="0">
+              <a:lnSpc>
+                <a:spcPct val="100000"/>
+              </a:lnSpc>
+              <a:spcBef>
+                <a:spcPts val="0"/>
+              </a:spcBef>
+              <a:spcAft>
+                <a:spcPts val="0"/>
+              </a:spcAft>
+              <a:buClr>
+                <a:schemeClr val="dk1"/>
+              </a:buClr>
+              <a:buSzPts val="1400"/>
+              <a:buFont typeface="Fira Code"/>
+              <a:buNone/>
+              <a:defRPr sz="1400" b="0" i="0" u="none" strike="noStrike" cap="none">
+                <a:solidFill>
+                  <a:schemeClr val="accent3"/>
+                </a:solidFill>
+                <a:latin typeface="Fira Code"/>
+                <a:ea typeface="Fira Code"/>
+                <a:cs typeface="Fira Code"/>
+                <a:sym typeface="Fira Code"/>
+              </a:defRPr>
+            </a:lvl1pPr>
+            <a:lvl2pPr marL="914400" marR="0" lvl="1" indent="-317500" algn="r" rtl="0">
+              <a:lnSpc>
+                <a:spcPct val="100000"/>
+              </a:lnSpc>
+              <a:spcBef>
+                <a:spcPts val="0"/>
+              </a:spcBef>
+              <a:spcAft>
+                <a:spcPts val="0"/>
+              </a:spcAft>
+              <a:buClr>
+                <a:schemeClr val="dk1"/>
+              </a:buClr>
+              <a:buSzPts val="1400"/>
+              <a:buFont typeface="Fira Code"/>
+              <a:buNone/>
+              <a:defRPr sz="1400" b="0" i="0" u="none" strike="noStrike" cap="none">
+                <a:solidFill>
+                  <a:schemeClr val="dk1"/>
+                </a:solidFill>
+                <a:latin typeface="Fira Code"/>
+                <a:ea typeface="Fira Code"/>
+                <a:cs typeface="Fira Code"/>
+                <a:sym typeface="Fira Code"/>
+              </a:defRPr>
+            </a:lvl2pPr>
+            <a:lvl3pPr marL="1371600" marR="0" lvl="2" indent="-317500" algn="r" rtl="0">
+              <a:lnSpc>
+                <a:spcPct val="100000"/>
+              </a:lnSpc>
+              <a:spcBef>
+                <a:spcPts val="0"/>
+              </a:spcBef>
+              <a:spcAft>
+                <a:spcPts val="0"/>
+              </a:spcAft>
+              <a:buClr>
+                <a:schemeClr val="dk1"/>
+              </a:buClr>
+              <a:buSzPts val="1400"/>
+              <a:buFont typeface="Fira Code"/>
+              <a:buNone/>
+              <a:defRPr sz="1400" b="0" i="0" u="none" strike="noStrike" cap="none">
+                <a:solidFill>
+                  <a:schemeClr val="dk1"/>
+                </a:solidFill>
+                <a:latin typeface="Fira Code"/>
+                <a:ea typeface="Fira Code"/>
+                <a:cs typeface="Fira Code"/>
+                <a:sym typeface="Fira Code"/>
+              </a:defRPr>
+            </a:lvl3pPr>
+            <a:lvl4pPr marL="1828800" marR="0" lvl="3" indent="-317500" algn="r" rtl="0">
+              <a:lnSpc>
+                <a:spcPct val="100000"/>
+              </a:lnSpc>
+              <a:spcBef>
+                <a:spcPts val="0"/>
+              </a:spcBef>
+              <a:spcAft>
+                <a:spcPts val="0"/>
+              </a:spcAft>
+              <a:buClr>
+                <a:schemeClr val="dk1"/>
+              </a:buClr>
+              <a:buSzPts val="1400"/>
+              <a:buFont typeface="Fira Code"/>
+              <a:buNone/>
+              <a:defRPr sz="1400" b="0" i="0" u="none" strike="noStrike" cap="none">
+                <a:solidFill>
+                  <a:schemeClr val="dk1"/>
+                </a:solidFill>
+                <a:latin typeface="Fira Code"/>
+                <a:ea typeface="Fira Code"/>
+                <a:cs typeface="Fira Code"/>
+                <a:sym typeface="Fira Code"/>
+              </a:defRPr>
+            </a:lvl4pPr>
+            <a:lvl5pPr marL="2286000" marR="0" lvl="4" indent="-317500" algn="r" rtl="0">
+              <a:lnSpc>
+                <a:spcPct val="100000"/>
+              </a:lnSpc>
+              <a:spcBef>
+                <a:spcPts val="0"/>
+              </a:spcBef>
+              <a:spcAft>
+                <a:spcPts val="0"/>
+              </a:spcAft>
+              <a:buClr>
+                <a:schemeClr val="dk1"/>
+              </a:buClr>
+              <a:buSzPts val="1400"/>
+              <a:buFont typeface="Fira Code"/>
+              <a:buNone/>
+              <a:defRPr sz="1400" b="0" i="0" u="none" strike="noStrike" cap="none">
+                <a:solidFill>
+                  <a:schemeClr val="dk1"/>
+                </a:solidFill>
+                <a:latin typeface="Fira Code"/>
+                <a:ea typeface="Fira Code"/>
+                <a:cs typeface="Fira Code"/>
+                <a:sym typeface="Fira Code"/>
+              </a:defRPr>
+            </a:lvl5pPr>
+            <a:lvl6pPr marL="2743200" marR="0" lvl="5" indent="-317500" algn="r" rtl="0">
+              <a:lnSpc>
+                <a:spcPct val="100000"/>
+              </a:lnSpc>
+              <a:spcBef>
+                <a:spcPts val="0"/>
+              </a:spcBef>
+              <a:spcAft>
+                <a:spcPts val="0"/>
+              </a:spcAft>
+              <a:buClr>
+                <a:schemeClr val="dk1"/>
+              </a:buClr>
+              <a:buSzPts val="1400"/>
+              <a:buFont typeface="Fira Code"/>
+              <a:buNone/>
+              <a:defRPr sz="1400" b="0" i="0" u="none" strike="noStrike" cap="none">
+                <a:solidFill>
+                  <a:schemeClr val="dk1"/>
+                </a:solidFill>
+                <a:latin typeface="Fira Code"/>
+                <a:ea typeface="Fira Code"/>
+                <a:cs typeface="Fira Code"/>
+                <a:sym typeface="Fira Code"/>
+              </a:defRPr>
+            </a:lvl6pPr>
+            <a:lvl7pPr marL="3200400" marR="0" lvl="6" indent="-317500" algn="r" rtl="0">
+              <a:lnSpc>
+                <a:spcPct val="100000"/>
+              </a:lnSpc>
+              <a:spcBef>
+                <a:spcPts val="0"/>
+              </a:spcBef>
+              <a:spcAft>
+                <a:spcPts val="0"/>
+              </a:spcAft>
+              <a:buClr>
+                <a:schemeClr val="dk1"/>
+              </a:buClr>
+              <a:buSzPts val="1400"/>
+              <a:buFont typeface="Fira Code"/>
+              <a:buNone/>
+              <a:defRPr sz="1400" b="0" i="0" u="none" strike="noStrike" cap="none">
+                <a:solidFill>
+                  <a:schemeClr val="dk1"/>
+                </a:solidFill>
+                <a:latin typeface="Fira Code"/>
+                <a:ea typeface="Fira Code"/>
+                <a:cs typeface="Fira Code"/>
+                <a:sym typeface="Fira Code"/>
+              </a:defRPr>
+            </a:lvl7pPr>
+            <a:lvl8pPr marL="3657600" marR="0" lvl="7" indent="-317500" algn="r" rtl="0">
+              <a:lnSpc>
+                <a:spcPct val="100000"/>
+              </a:lnSpc>
+              <a:spcBef>
+                <a:spcPts val="0"/>
+              </a:spcBef>
+              <a:spcAft>
+                <a:spcPts val="0"/>
+              </a:spcAft>
+              <a:buClr>
+                <a:schemeClr val="dk1"/>
+              </a:buClr>
+              <a:buSzPts val="1400"/>
+              <a:buFont typeface="Fira Code"/>
+              <a:buNone/>
+              <a:defRPr sz="1400" b="0" i="0" u="none" strike="noStrike" cap="none">
+                <a:solidFill>
+                  <a:schemeClr val="dk1"/>
+                </a:solidFill>
+                <a:latin typeface="Fira Code"/>
+                <a:ea typeface="Fira Code"/>
+                <a:cs typeface="Fira Code"/>
+                <a:sym typeface="Fira Code"/>
+              </a:defRPr>
+            </a:lvl8pPr>
+            <a:lvl9pPr marL="4114800" marR="0" lvl="8" indent="-317500" algn="r" rtl="0">
+              <a:lnSpc>
+                <a:spcPct val="100000"/>
+              </a:lnSpc>
+              <a:spcBef>
+                <a:spcPts val="0"/>
+              </a:spcBef>
+              <a:spcAft>
+                <a:spcPts val="0"/>
+              </a:spcAft>
+              <a:buClr>
+                <a:schemeClr val="dk1"/>
+              </a:buClr>
+              <a:buSzPts val="1400"/>
+              <a:buFont typeface="Fira Code"/>
+              <a:buNone/>
+              <a:defRPr sz="1400" b="0" i="0" u="none" strike="noStrike" cap="none">
+                <a:solidFill>
+                  <a:schemeClr val="dk1"/>
+                </a:solidFill>
+                <a:latin typeface="Fira Code"/>
+                <a:ea typeface="Fira Code"/>
+                <a:cs typeface="Fira Code"/>
+                <a:sym typeface="Fira Code"/>
+              </a:defRPr>
+            </a:lvl9pPr>
+          </a:lstStyle>
+          <a:p>
+            <a:pPr marL="0" indent="0" algn="ctr"/>
+            <a:r>
+              <a:rPr lang="es-MX"/>
+              <a:t>POO</a:t>
+            </a:r>
+            <a:endParaRPr lang="es-MX" dirty="0"/>
+          </a:p>
+        </p:txBody>
+      </p:sp>
+      <p:sp>
+        <p:nvSpPr>
+          <p:cNvPr id="7" name="Google Shape;465;p27">
+            <a:extLst>
+              <a:ext uri="{FF2B5EF4-FFF2-40B4-BE49-F238E27FC236}">
+                <a16:creationId xmlns:a16="http://schemas.microsoft.com/office/drawing/2014/main" id="{E9C64CF9-9BF8-24F8-9D4E-4D53921CE799}"/>
+              </a:ext>
+            </a:extLst>
+          </p:cNvPr>
+          <p:cNvSpPr txBox="1">
+            <a:spLocks/>
+          </p:cNvSpPr>
+          <p:nvPr/>
+        </p:nvSpPr>
+        <p:spPr>
+          <a:xfrm>
+            <a:off x="-5975" y="91525"/>
+            <a:ext cx="4572000" cy="357300"/>
+          </a:xfrm>
+          <a:prstGeom prst="rect">
+            <a:avLst/>
+          </a:prstGeom>
+          <a:noFill/>
+          <a:ln>
+            <a:noFill/>
+          </a:ln>
+        </p:spPr>
+        <p:txBody>
+          <a:bodyPr spcFirstLastPara="1" wrap="square" lIns="91425" tIns="91425" rIns="91425" bIns="91425" anchor="ctr" anchorCtr="0">
+            <a:noAutofit/>
+          </a:bodyPr>
+          <a:lstStyle>
+            <a:defPPr marR="0" lvl="0" algn="l" rtl="0">
+              <a:lnSpc>
+                <a:spcPct val="100000"/>
+              </a:lnSpc>
+              <a:spcBef>
+                <a:spcPts val="0"/>
+              </a:spcBef>
+              <a:spcAft>
+                <a:spcPts val="0"/>
+              </a:spcAft>
+            </a:defPPr>
+            <a:lvl1pPr marL="457200" marR="0" lvl="0" indent="-317500" algn="l" rtl="0">
+              <a:lnSpc>
+                <a:spcPct val="100000"/>
+              </a:lnSpc>
+              <a:spcBef>
+                <a:spcPts val="0"/>
+              </a:spcBef>
+              <a:spcAft>
+                <a:spcPts val="0"/>
+              </a:spcAft>
+              <a:buClr>
+                <a:schemeClr val="dk2"/>
+              </a:buClr>
+              <a:buSzPts val="1400"/>
+              <a:buFont typeface="Fira Code"/>
+              <a:buChar char="∗"/>
+              <a:defRPr sz="1000" b="0" i="0" u="none" strike="noStrike" cap="none">
+                <a:solidFill>
+                  <a:schemeClr val="dk2"/>
+                </a:solidFill>
+                <a:latin typeface="Fira Code"/>
+                <a:ea typeface="Fira Code"/>
+                <a:cs typeface="Fira Code"/>
+                <a:sym typeface="Fira Code"/>
+              </a:defRPr>
+            </a:lvl1pPr>
+            <a:lvl2pPr marL="914400" marR="0" lvl="1" indent="-317500" algn="l" rtl="0">
+              <a:lnSpc>
+                <a:spcPct val="100000"/>
+              </a:lnSpc>
+              <a:spcBef>
+                <a:spcPts val="0"/>
+              </a:spcBef>
+              <a:spcAft>
+                <a:spcPts val="0"/>
+              </a:spcAft>
+              <a:buClr>
+                <a:schemeClr val="dk2"/>
+              </a:buClr>
+              <a:buSzPts val="1400"/>
+              <a:buFont typeface="Fira Code"/>
+              <a:buChar char="○"/>
+              <a:defRPr sz="1400" b="0" i="0" u="none" strike="noStrike" cap="none">
+                <a:solidFill>
+                  <a:schemeClr val="dk2"/>
+                </a:solidFill>
+                <a:latin typeface="Fira Code"/>
+                <a:ea typeface="Fira Code"/>
+                <a:cs typeface="Fira Code"/>
+                <a:sym typeface="Fira Code"/>
+              </a:defRPr>
+            </a:lvl2pPr>
+            <a:lvl3pPr marL="1371600" marR="0" lvl="2" indent="-317500" algn="l" rtl="0">
+              <a:lnSpc>
+                <a:spcPct val="100000"/>
+              </a:lnSpc>
+              <a:spcBef>
+                <a:spcPts val="0"/>
+              </a:spcBef>
+              <a:spcAft>
+                <a:spcPts val="0"/>
+              </a:spcAft>
+              <a:buClr>
+                <a:schemeClr val="dk2"/>
+              </a:buClr>
+              <a:buSzPts val="1400"/>
+              <a:buFont typeface="Fira Code"/>
+              <a:buChar char="■"/>
+              <a:defRPr sz="1400" b="0" i="0" u="none" strike="noStrike" cap="none">
+                <a:solidFill>
+                  <a:schemeClr val="dk2"/>
+                </a:solidFill>
+                <a:latin typeface="Fira Code"/>
+                <a:ea typeface="Fira Code"/>
+                <a:cs typeface="Fira Code"/>
+                <a:sym typeface="Fira Code"/>
+              </a:defRPr>
+            </a:lvl3pPr>
+            <a:lvl4pPr marL="1828800" marR="0" lvl="3" indent="-317500" algn="l" rtl="0">
+              <a:lnSpc>
+                <a:spcPct val="100000"/>
+              </a:lnSpc>
+              <a:spcBef>
+                <a:spcPts val="0"/>
+              </a:spcBef>
+              <a:spcAft>
+                <a:spcPts val="0"/>
+              </a:spcAft>
+              <a:buClr>
+                <a:schemeClr val="dk2"/>
+              </a:buClr>
+              <a:buSzPts val="1400"/>
+              <a:buFont typeface="Fira Code"/>
+              <a:buChar char="●"/>
+              <a:defRPr sz="1400" b="0" i="0" u="none" strike="noStrike" cap="none">
+                <a:solidFill>
+                  <a:schemeClr val="dk2"/>
+                </a:solidFill>
+                <a:latin typeface="Fira Code"/>
+                <a:ea typeface="Fira Code"/>
+                <a:cs typeface="Fira Code"/>
+                <a:sym typeface="Fira Code"/>
+              </a:defRPr>
+            </a:lvl4pPr>
+            <a:lvl5pPr marL="2286000" marR="0" lvl="4" indent="-317500" algn="l" rtl="0">
+              <a:lnSpc>
+                <a:spcPct val="100000"/>
+              </a:lnSpc>
+              <a:spcBef>
+                <a:spcPts val="0"/>
+              </a:spcBef>
+              <a:spcAft>
+                <a:spcPts val="0"/>
+              </a:spcAft>
+              <a:buClr>
+                <a:schemeClr val="dk2"/>
+              </a:buClr>
+              <a:buSzPts val="1400"/>
+              <a:buFont typeface="Fira Code"/>
+              <a:buChar char="○"/>
+              <a:defRPr sz="1400" b="0" i="0" u="none" strike="noStrike" cap="none">
+                <a:solidFill>
+                  <a:schemeClr val="dk2"/>
+                </a:solidFill>
+                <a:latin typeface="Fira Code"/>
+                <a:ea typeface="Fira Code"/>
+                <a:cs typeface="Fira Code"/>
+                <a:sym typeface="Fira Code"/>
+              </a:defRPr>
+            </a:lvl5pPr>
+            <a:lvl6pPr marL="2743200" marR="0" lvl="5" indent="-317500" algn="l" rtl="0">
+              <a:lnSpc>
+                <a:spcPct val="100000"/>
+              </a:lnSpc>
+              <a:spcBef>
+                <a:spcPts val="0"/>
+              </a:spcBef>
+              <a:spcAft>
+                <a:spcPts val="0"/>
+              </a:spcAft>
+              <a:buClr>
+                <a:schemeClr val="dk2"/>
+              </a:buClr>
+              <a:buSzPts val="1400"/>
+              <a:buFont typeface="Fira Code"/>
+              <a:buChar char="■"/>
+              <a:defRPr sz="1400" b="0" i="0" u="none" strike="noStrike" cap="none">
+                <a:solidFill>
+                  <a:schemeClr val="dk2"/>
+                </a:solidFill>
+                <a:latin typeface="Fira Code"/>
+                <a:ea typeface="Fira Code"/>
+                <a:cs typeface="Fira Code"/>
+                <a:sym typeface="Fira Code"/>
+              </a:defRPr>
+            </a:lvl6pPr>
+            <a:lvl7pPr marL="3200400" marR="0" lvl="6" indent="-317500" algn="l" rtl="0">
+              <a:lnSpc>
+                <a:spcPct val="100000"/>
+              </a:lnSpc>
+              <a:spcBef>
+                <a:spcPts val="0"/>
+              </a:spcBef>
+              <a:spcAft>
+                <a:spcPts val="0"/>
+              </a:spcAft>
+              <a:buClr>
+                <a:schemeClr val="dk2"/>
+              </a:buClr>
+              <a:buSzPts val="1400"/>
+              <a:buFont typeface="Fira Code"/>
+              <a:buChar char="●"/>
+              <a:defRPr sz="1400" b="0" i="0" u="none" strike="noStrike" cap="none">
+                <a:solidFill>
+                  <a:schemeClr val="dk2"/>
+                </a:solidFill>
+                <a:latin typeface="Fira Code"/>
+                <a:ea typeface="Fira Code"/>
+                <a:cs typeface="Fira Code"/>
+                <a:sym typeface="Fira Code"/>
+              </a:defRPr>
+            </a:lvl7pPr>
+            <a:lvl8pPr marL="3657600" marR="0" lvl="7" indent="-317500" algn="l" rtl="0">
+              <a:lnSpc>
+                <a:spcPct val="100000"/>
+              </a:lnSpc>
+              <a:spcBef>
+                <a:spcPts val="0"/>
+              </a:spcBef>
+              <a:spcAft>
+                <a:spcPts val="0"/>
+              </a:spcAft>
+              <a:buClr>
+                <a:schemeClr val="dk2"/>
+              </a:buClr>
+              <a:buSzPts val="1400"/>
+              <a:buFont typeface="Fira Code"/>
+              <a:buChar char="○"/>
+              <a:defRPr sz="1400" b="0" i="0" u="none" strike="noStrike" cap="none">
+                <a:solidFill>
+                  <a:schemeClr val="dk2"/>
+                </a:solidFill>
+                <a:latin typeface="Fira Code"/>
+                <a:ea typeface="Fira Code"/>
+                <a:cs typeface="Fira Code"/>
+                <a:sym typeface="Fira Code"/>
+              </a:defRPr>
+            </a:lvl8pPr>
+            <a:lvl9pPr marL="4114800" marR="0" lvl="8" indent="-317500" algn="l" rtl="0">
+              <a:lnSpc>
+                <a:spcPct val="100000"/>
+              </a:lnSpc>
+              <a:spcBef>
+                <a:spcPts val="0"/>
+              </a:spcBef>
+              <a:spcAft>
+                <a:spcPts val="0"/>
+              </a:spcAft>
+              <a:buClr>
+                <a:schemeClr val="dk2"/>
+              </a:buClr>
+              <a:buSzPts val="1400"/>
+              <a:buFont typeface="Fira Code"/>
+              <a:buChar char="■"/>
+              <a:defRPr sz="1400" b="0" i="0" u="none" strike="noStrike" cap="none">
+                <a:solidFill>
+                  <a:schemeClr val="dk2"/>
+                </a:solidFill>
+                <a:latin typeface="Fira Code"/>
+                <a:ea typeface="Fira Code"/>
+                <a:cs typeface="Fira Code"/>
+                <a:sym typeface="Fira Code"/>
+              </a:defRPr>
+            </a:lvl9pPr>
+          </a:lstStyle>
+          <a:p>
+            <a:pPr marL="0" indent="0" algn="ctr">
+              <a:buFont typeface="Fira Code"/>
+              <a:buNone/>
+            </a:pPr>
+            <a:r>
+              <a:rPr lang="es-EC" sz="1400">
+                <a:solidFill>
+                  <a:schemeClr val="accent3"/>
+                </a:solidFill>
+              </a:rPr>
+              <a:t>Carcel</a:t>
+            </a:r>
+            <a:endParaRPr lang="es-EC" sz="1400" dirty="0">
+              <a:solidFill>
+                <a:schemeClr val="accent3"/>
+              </a:solidFill>
+            </a:endParaRPr>
+          </a:p>
+        </p:txBody>
+      </p:sp>
+      <p:sp>
+        <p:nvSpPr>
+          <p:cNvPr id="10" name="Google Shape;473;p28">
+            <a:extLst>
+              <a:ext uri="{FF2B5EF4-FFF2-40B4-BE49-F238E27FC236}">
+                <a16:creationId xmlns:a16="http://schemas.microsoft.com/office/drawing/2014/main" id="{E21CC7AF-329E-FFB6-027A-27D47D054E45}"/>
+              </a:ext>
+            </a:extLst>
+          </p:cNvPr>
+          <p:cNvSpPr txBox="1">
+            <a:spLocks/>
+          </p:cNvSpPr>
+          <p:nvPr/>
+        </p:nvSpPr>
+        <p:spPr>
+          <a:xfrm>
+            <a:off x="710125" y="4694725"/>
+            <a:ext cx="4865100" cy="357300"/>
+          </a:xfrm>
+          <a:prstGeom prst="rect">
+            <a:avLst/>
+          </a:prstGeom>
+          <a:noFill/>
+          <a:ln>
+            <a:noFill/>
+          </a:ln>
+        </p:spPr>
+        <p:txBody>
+          <a:bodyPr spcFirstLastPara="1" wrap="square" lIns="91425" tIns="91425" rIns="91425" bIns="91425" anchor="ctr" anchorCtr="0">
+            <a:noAutofit/>
+          </a:bodyPr>
+          <a:lstStyle>
+            <a:defPPr marR="0" lvl="0" algn="l" rtl="0">
+              <a:lnSpc>
+                <a:spcPct val="100000"/>
+              </a:lnSpc>
+              <a:spcBef>
+                <a:spcPts val="0"/>
+              </a:spcBef>
+              <a:spcAft>
+                <a:spcPts val="0"/>
+              </a:spcAft>
+            </a:defPPr>
+            <a:lvl1pPr marL="457200" marR="0" lvl="0" indent="-317500" algn="l" rtl="0">
+              <a:lnSpc>
+                <a:spcPct val="100000"/>
+              </a:lnSpc>
+              <a:spcBef>
+                <a:spcPts val="0"/>
+              </a:spcBef>
+              <a:spcAft>
+                <a:spcPts val="0"/>
+              </a:spcAft>
+              <a:buClr>
+                <a:schemeClr val="dk2"/>
+              </a:buClr>
+              <a:buSzPts val="1400"/>
+              <a:buFont typeface="Fira Code"/>
+              <a:buChar char="●"/>
+              <a:defRPr sz="1400" b="0" i="0" u="none" strike="noStrike" cap="none">
+                <a:solidFill>
+                  <a:schemeClr val="dk2"/>
+                </a:solidFill>
+                <a:latin typeface="Fira Code"/>
+                <a:ea typeface="Fira Code"/>
+                <a:cs typeface="Fira Code"/>
+                <a:sym typeface="Fira Code"/>
+              </a:defRPr>
+            </a:lvl1pPr>
+            <a:lvl2pPr marL="914400" marR="0" lvl="1" indent="-317500" algn="l" rtl="0">
+              <a:lnSpc>
+                <a:spcPct val="100000"/>
+              </a:lnSpc>
+              <a:spcBef>
+                <a:spcPts val="0"/>
+              </a:spcBef>
+              <a:spcAft>
+                <a:spcPts val="0"/>
+              </a:spcAft>
+              <a:buClr>
+                <a:schemeClr val="dk2"/>
+              </a:buClr>
+              <a:buSzPts val="1400"/>
+              <a:buFont typeface="Fira Code"/>
+              <a:buChar char="○"/>
+              <a:defRPr sz="1400" b="0" i="0" u="none" strike="noStrike" cap="none">
+                <a:solidFill>
+                  <a:schemeClr val="dk2"/>
+                </a:solidFill>
+                <a:latin typeface="Fira Code"/>
+                <a:ea typeface="Fira Code"/>
+                <a:cs typeface="Fira Code"/>
+                <a:sym typeface="Fira Code"/>
+              </a:defRPr>
+            </a:lvl2pPr>
+            <a:lvl3pPr marL="1371600" marR="0" lvl="2" indent="-317500" algn="l" rtl="0">
+              <a:lnSpc>
+                <a:spcPct val="100000"/>
+              </a:lnSpc>
+              <a:spcBef>
+                <a:spcPts val="0"/>
+              </a:spcBef>
+              <a:spcAft>
+                <a:spcPts val="0"/>
+              </a:spcAft>
+              <a:buClr>
+                <a:schemeClr val="dk2"/>
+              </a:buClr>
+              <a:buSzPts val="1400"/>
+              <a:buFont typeface="Fira Code"/>
+              <a:buChar char="■"/>
+              <a:defRPr sz="1400" b="0" i="0" u="none" strike="noStrike" cap="none">
+                <a:solidFill>
+                  <a:schemeClr val="dk2"/>
+                </a:solidFill>
+                <a:latin typeface="Fira Code"/>
+                <a:ea typeface="Fira Code"/>
+                <a:cs typeface="Fira Code"/>
+                <a:sym typeface="Fira Code"/>
+              </a:defRPr>
+            </a:lvl3pPr>
+            <a:lvl4pPr marL="1828800" marR="0" lvl="3" indent="-317500" algn="l" rtl="0">
+              <a:lnSpc>
+                <a:spcPct val="100000"/>
+              </a:lnSpc>
+              <a:spcBef>
+                <a:spcPts val="0"/>
+              </a:spcBef>
+              <a:spcAft>
+                <a:spcPts val="0"/>
+              </a:spcAft>
+              <a:buClr>
+                <a:schemeClr val="dk2"/>
+              </a:buClr>
+              <a:buSzPts val="1400"/>
+              <a:buFont typeface="Fira Code"/>
+              <a:buChar char="●"/>
+              <a:defRPr sz="1400" b="0" i="0" u="none" strike="noStrike" cap="none">
+                <a:solidFill>
+                  <a:schemeClr val="dk2"/>
+                </a:solidFill>
+                <a:latin typeface="Fira Code"/>
+                <a:ea typeface="Fira Code"/>
+                <a:cs typeface="Fira Code"/>
+                <a:sym typeface="Fira Code"/>
+              </a:defRPr>
+            </a:lvl4pPr>
+            <a:lvl5pPr marL="2286000" marR="0" lvl="4" indent="-317500" algn="l" rtl="0">
+              <a:lnSpc>
+                <a:spcPct val="100000"/>
+              </a:lnSpc>
+              <a:spcBef>
+                <a:spcPts val="0"/>
+              </a:spcBef>
+              <a:spcAft>
+                <a:spcPts val="0"/>
+              </a:spcAft>
+              <a:buClr>
+                <a:schemeClr val="dk2"/>
+              </a:buClr>
+              <a:buSzPts val="1400"/>
+              <a:buFont typeface="Fira Code"/>
+              <a:buChar char="○"/>
+              <a:defRPr sz="1400" b="0" i="0" u="none" strike="noStrike" cap="none">
+                <a:solidFill>
+                  <a:schemeClr val="dk2"/>
+                </a:solidFill>
+                <a:latin typeface="Fira Code"/>
+                <a:ea typeface="Fira Code"/>
+                <a:cs typeface="Fira Code"/>
+                <a:sym typeface="Fira Code"/>
+              </a:defRPr>
+            </a:lvl5pPr>
+            <a:lvl6pPr marL="2743200" marR="0" lvl="5" indent="-317500" algn="l" rtl="0">
+              <a:lnSpc>
+                <a:spcPct val="100000"/>
+              </a:lnSpc>
+              <a:spcBef>
+                <a:spcPts val="0"/>
+              </a:spcBef>
+              <a:spcAft>
+                <a:spcPts val="0"/>
+              </a:spcAft>
+              <a:buClr>
+                <a:schemeClr val="dk2"/>
+              </a:buClr>
+              <a:buSzPts val="1400"/>
+              <a:buFont typeface="Fira Code"/>
+              <a:buChar char="■"/>
+              <a:defRPr sz="1400" b="0" i="0" u="none" strike="noStrike" cap="none">
+                <a:solidFill>
+                  <a:schemeClr val="dk2"/>
+                </a:solidFill>
+                <a:latin typeface="Fira Code"/>
+                <a:ea typeface="Fira Code"/>
+                <a:cs typeface="Fira Code"/>
+                <a:sym typeface="Fira Code"/>
+              </a:defRPr>
+            </a:lvl6pPr>
+            <a:lvl7pPr marL="3200400" marR="0" lvl="6" indent="-317500" algn="l" rtl="0">
+              <a:lnSpc>
+                <a:spcPct val="100000"/>
+              </a:lnSpc>
+              <a:spcBef>
+                <a:spcPts val="0"/>
+              </a:spcBef>
+              <a:spcAft>
+                <a:spcPts val="0"/>
+              </a:spcAft>
+              <a:buClr>
+                <a:schemeClr val="dk2"/>
+              </a:buClr>
+              <a:buSzPts val="1400"/>
+              <a:buFont typeface="Fira Code"/>
+              <a:buChar char="●"/>
+              <a:defRPr sz="1400" b="0" i="0" u="none" strike="noStrike" cap="none">
+                <a:solidFill>
+                  <a:schemeClr val="dk2"/>
+                </a:solidFill>
+                <a:latin typeface="Fira Code"/>
+                <a:ea typeface="Fira Code"/>
+                <a:cs typeface="Fira Code"/>
+                <a:sym typeface="Fira Code"/>
+              </a:defRPr>
+            </a:lvl7pPr>
+            <a:lvl8pPr marL="3657600" marR="0" lvl="7" indent="-317500" algn="l" rtl="0">
+              <a:lnSpc>
+                <a:spcPct val="100000"/>
+              </a:lnSpc>
+              <a:spcBef>
+                <a:spcPts val="0"/>
+              </a:spcBef>
+              <a:spcAft>
+                <a:spcPts val="0"/>
+              </a:spcAft>
+              <a:buClr>
+                <a:schemeClr val="dk2"/>
+              </a:buClr>
+              <a:buSzPts val="1400"/>
+              <a:buFont typeface="Fira Code"/>
+              <a:buChar char="○"/>
+              <a:defRPr sz="1400" b="0" i="0" u="none" strike="noStrike" cap="none">
+                <a:solidFill>
+                  <a:schemeClr val="dk2"/>
+                </a:solidFill>
+                <a:latin typeface="Fira Code"/>
+                <a:ea typeface="Fira Code"/>
+                <a:cs typeface="Fira Code"/>
+                <a:sym typeface="Fira Code"/>
+              </a:defRPr>
+            </a:lvl8pPr>
+            <a:lvl9pPr marL="4114800" marR="0" lvl="8" indent="-317500" algn="l" rtl="0">
+              <a:lnSpc>
+                <a:spcPct val="100000"/>
+              </a:lnSpc>
+              <a:spcBef>
+                <a:spcPts val="0"/>
+              </a:spcBef>
+              <a:spcAft>
+                <a:spcPts val="0"/>
+              </a:spcAft>
+              <a:buClr>
+                <a:schemeClr val="dk2"/>
+              </a:buClr>
+              <a:buSzPts val="1400"/>
+              <a:buFont typeface="Fira Code"/>
+              <a:buChar char="■"/>
+              <a:defRPr sz="1400" b="0" i="0" u="none" strike="noStrike" cap="none">
+                <a:solidFill>
+                  <a:schemeClr val="dk2"/>
+                </a:solidFill>
+                <a:latin typeface="Fira Code"/>
+                <a:ea typeface="Fira Code"/>
+                <a:cs typeface="Fira Code"/>
+                <a:sym typeface="Fira Code"/>
+              </a:defRPr>
+            </a:lvl9pPr>
+          </a:lstStyle>
+          <a:p>
+            <a:pPr marL="0" indent="0">
+              <a:buFont typeface="Fira Code"/>
+              <a:buNone/>
+            </a:pPr>
+            <a:r>
+              <a:rPr lang="es-EC">
+                <a:solidFill>
+                  <a:schemeClr val="accent3"/>
+                </a:solidFill>
+              </a:rPr>
+              <a:t>Programming Language: Java</a:t>
+            </a:r>
+            <a:endParaRPr lang="es-EC" dirty="0">
+              <a:solidFill>
+                <a:schemeClr val="accent3"/>
+              </a:solidFill>
+            </a:endParaRPr>
+          </a:p>
+        </p:txBody>
+      </p:sp>
+      <p:pic>
+        <p:nvPicPr>
+          <p:cNvPr id="18" name="Imagen 17">
+            <a:extLst>
+              <a:ext uri="{FF2B5EF4-FFF2-40B4-BE49-F238E27FC236}">
+                <a16:creationId xmlns:a16="http://schemas.microsoft.com/office/drawing/2014/main" id="{A79707AB-039A-D3C4-467E-0F0F9553E31E}"/>
+              </a:ext>
+            </a:extLst>
+          </p:cNvPr>
+          <p:cNvPicPr>
+            <a:picLocks noChangeAspect="1"/>
+          </p:cNvPicPr>
+          <p:nvPr/>
+        </p:nvPicPr>
+        <p:blipFill>
+          <a:blip r:embed="rId3"/>
+          <a:stretch>
+            <a:fillRect/>
+          </a:stretch>
+        </p:blipFill>
+        <p:spPr>
+          <a:xfrm>
+            <a:off x="2506947" y="1352179"/>
+            <a:ext cx="4563205" cy="2439191"/>
+          </a:xfrm>
+          <a:prstGeom prst="rect">
+            <a:avLst/>
+          </a:prstGeom>
+        </p:spPr>
+      </p:pic>
+    </p:spTree>
+    <p:extLst>
+      <p:ext uri="{BB962C8B-B14F-4D97-AF65-F5344CB8AC3E}">
+        <p14:creationId xmlns:p14="http://schemas.microsoft.com/office/powerpoint/2010/main" val="919396363"/>
+      </p:ext>
+    </p:extLst>
+  </p:cSld>
+  <p:clrMapOvr>
+    <a:masterClrMapping/>
+  </p:clrMapOvr>
+</p:sld>
+</file>
+
+<file path=ppt/slides/slide7.xml><?xml version="1.0" encoding="utf-8"?>
+<p:sld xmlns:a="http://schemas.openxmlformats.org/drawingml/2006/main" xmlns:r="http://schemas.openxmlformats.org/officeDocument/2006/relationships" xmlns:p="http://schemas.openxmlformats.org/presentationml/2006/main">
+  <p:cSld>
+    <p:spTree>
+      <p:nvGrpSpPr>
         <p:cNvPr id="1" name=""/>
         <p:cNvGrpSpPr/>
         <p:nvPr/>
